--- a/IHP_2024/20240731/IHP SG25H5 EPICでの容量について.pptx
+++ b/IHP_2024/20240731/IHP SG25H5 EPICでの容量について.pptx
@@ -4809,7 +4809,19 @@
           <a:bodyPr/>
           <a:lstStyle/>
           <a:p>
-            <a:endParaRPr kumimoji="1" lang="ja-JP" altLang="en-US"/>
+            <a:r>
+              <a:rPr lang="ja-JP" altLang="en-US" dirty="0"/>
+              <a:t>和田研　</a:t>
+            </a:r>
+            <a:r>
+              <a:rPr lang="en-US" altLang="ja-JP" dirty="0"/>
+              <a:t>M1</a:t>
+            </a:r>
+            <a:r>
+              <a:rPr lang="ja-JP" altLang="en-US" dirty="0"/>
+              <a:t>　小島 光</a:t>
+            </a:r>
+            <a:endParaRPr kumimoji="1" lang="ja-JP" altLang="en-US" dirty="0"/>
           </a:p>
         </p:txBody>
       </p:sp>
